--- a/FFT of imgs/make image.pptx
+++ b/FFT of imgs/make image.pptx
@@ -256,7 +256,7 @@
           <a:p>
             <a:fld id="{52ED90DB-C377-4650-A7C6-CE3C48B67D95}" type="datetimeFigureOut">
               <a:rPr lang="en-US" smtClean="0"/>
-              <a:t>11/1/2024</a:t>
+              <a:t>11/7/2024</a:t>
             </a:fld>
             <a:endParaRPr lang="en-US"/>
           </a:p>
@@ -426,7 +426,7 @@
           <a:p>
             <a:fld id="{52ED90DB-C377-4650-A7C6-CE3C48B67D95}" type="datetimeFigureOut">
               <a:rPr lang="en-US" smtClean="0"/>
-              <a:t>11/1/2024</a:t>
+              <a:t>11/7/2024</a:t>
             </a:fld>
             <a:endParaRPr lang="en-US"/>
           </a:p>
@@ -606,7 +606,7 @@
           <a:p>
             <a:fld id="{52ED90DB-C377-4650-A7C6-CE3C48B67D95}" type="datetimeFigureOut">
               <a:rPr lang="en-US" smtClean="0"/>
-              <a:t>11/1/2024</a:t>
+              <a:t>11/7/2024</a:t>
             </a:fld>
             <a:endParaRPr lang="en-US"/>
           </a:p>
@@ -776,7 +776,7 @@
           <a:p>
             <a:fld id="{52ED90DB-C377-4650-A7C6-CE3C48B67D95}" type="datetimeFigureOut">
               <a:rPr lang="en-US" smtClean="0"/>
-              <a:t>11/1/2024</a:t>
+              <a:t>11/7/2024</a:t>
             </a:fld>
             <a:endParaRPr lang="en-US"/>
           </a:p>
@@ -1022,7 +1022,7 @@
           <a:p>
             <a:fld id="{52ED90DB-C377-4650-A7C6-CE3C48B67D95}" type="datetimeFigureOut">
               <a:rPr lang="en-US" smtClean="0"/>
-              <a:t>11/1/2024</a:t>
+              <a:t>11/7/2024</a:t>
             </a:fld>
             <a:endParaRPr lang="en-US"/>
           </a:p>
@@ -1254,7 +1254,7 @@
           <a:p>
             <a:fld id="{52ED90DB-C377-4650-A7C6-CE3C48B67D95}" type="datetimeFigureOut">
               <a:rPr lang="en-US" smtClean="0"/>
-              <a:t>11/1/2024</a:t>
+              <a:t>11/7/2024</a:t>
             </a:fld>
             <a:endParaRPr lang="en-US"/>
           </a:p>
@@ -1621,7 +1621,7 @@
           <a:p>
             <a:fld id="{52ED90DB-C377-4650-A7C6-CE3C48B67D95}" type="datetimeFigureOut">
               <a:rPr lang="en-US" smtClean="0"/>
-              <a:t>11/1/2024</a:t>
+              <a:t>11/7/2024</a:t>
             </a:fld>
             <a:endParaRPr lang="en-US"/>
           </a:p>
@@ -1739,7 +1739,7 @@
           <a:p>
             <a:fld id="{52ED90DB-C377-4650-A7C6-CE3C48B67D95}" type="datetimeFigureOut">
               <a:rPr lang="en-US" smtClean="0"/>
-              <a:t>11/1/2024</a:t>
+              <a:t>11/7/2024</a:t>
             </a:fld>
             <a:endParaRPr lang="en-US"/>
           </a:p>
@@ -1834,7 +1834,7 @@
           <a:p>
             <a:fld id="{52ED90DB-C377-4650-A7C6-CE3C48B67D95}" type="datetimeFigureOut">
               <a:rPr lang="en-US" smtClean="0"/>
-              <a:t>11/1/2024</a:t>
+              <a:t>11/7/2024</a:t>
             </a:fld>
             <a:endParaRPr lang="en-US"/>
           </a:p>
@@ -2111,7 +2111,7 @@
           <a:p>
             <a:fld id="{52ED90DB-C377-4650-A7C6-CE3C48B67D95}" type="datetimeFigureOut">
               <a:rPr lang="en-US" smtClean="0"/>
-              <a:t>11/1/2024</a:t>
+              <a:t>11/7/2024</a:t>
             </a:fld>
             <a:endParaRPr lang="en-US"/>
           </a:p>
@@ -2368,7 +2368,7 @@
           <a:p>
             <a:fld id="{52ED90DB-C377-4650-A7C6-CE3C48B67D95}" type="datetimeFigureOut">
               <a:rPr lang="en-US" smtClean="0"/>
-              <a:t>11/1/2024</a:t>
+              <a:t>11/7/2024</a:t>
             </a:fld>
             <a:endParaRPr lang="en-US"/>
           </a:p>
@@ -2581,7 +2581,7 @@
           <a:p>
             <a:fld id="{52ED90DB-C377-4650-A7C6-CE3C48B67D95}" type="datetimeFigureOut">
               <a:rPr lang="en-US" smtClean="0"/>
-              <a:t>11/1/2024</a:t>
+              <a:t>11/7/2024</a:t>
             </a:fld>
             <a:endParaRPr lang="en-US"/>
           </a:p>
@@ -3101,13 +3101,15 @@
               </a:ext>
             </a:extLst>
           </p:cNvPr>
-          <p:cNvGrpSpPr/>
+          <p:cNvGrpSpPr>
+            <a:grpSpLocks noChangeAspect="1"/>
+          </p:cNvGrpSpPr>
           <p:nvPr/>
         </p:nvGrpSpPr>
         <p:grpSpPr>
           <a:xfrm>
-            <a:off x="8040117" y="8932668"/>
-            <a:ext cx="1752612" cy="1486490"/>
+            <a:off x="7035727" y="8734925"/>
+            <a:ext cx="3368142" cy="2880000"/>
             <a:chOff x="8040117" y="8932668"/>
             <a:chExt cx="1752612" cy="1486490"/>
           </a:xfrm>

--- a/FFT of imgs/make image.pptx
+++ b/FFT of imgs/make image.pptx
@@ -256,7 +256,7 @@
           <a:p>
             <a:fld id="{52ED90DB-C377-4650-A7C6-CE3C48B67D95}" type="datetimeFigureOut">
               <a:rPr lang="en-US" smtClean="0"/>
-              <a:t>11/7/2024</a:t>
+              <a:t>11/8/2024</a:t>
             </a:fld>
             <a:endParaRPr lang="en-US"/>
           </a:p>
@@ -426,7 +426,7 @@
           <a:p>
             <a:fld id="{52ED90DB-C377-4650-A7C6-CE3C48B67D95}" type="datetimeFigureOut">
               <a:rPr lang="en-US" smtClean="0"/>
-              <a:t>11/7/2024</a:t>
+              <a:t>11/8/2024</a:t>
             </a:fld>
             <a:endParaRPr lang="en-US"/>
           </a:p>
@@ -606,7 +606,7 @@
           <a:p>
             <a:fld id="{52ED90DB-C377-4650-A7C6-CE3C48B67D95}" type="datetimeFigureOut">
               <a:rPr lang="en-US" smtClean="0"/>
-              <a:t>11/7/2024</a:t>
+              <a:t>11/8/2024</a:t>
             </a:fld>
             <a:endParaRPr lang="en-US"/>
           </a:p>
@@ -776,7 +776,7 @@
           <a:p>
             <a:fld id="{52ED90DB-C377-4650-A7C6-CE3C48B67D95}" type="datetimeFigureOut">
               <a:rPr lang="en-US" smtClean="0"/>
-              <a:t>11/7/2024</a:t>
+              <a:t>11/8/2024</a:t>
             </a:fld>
             <a:endParaRPr lang="en-US"/>
           </a:p>
@@ -1022,7 +1022,7 @@
           <a:p>
             <a:fld id="{52ED90DB-C377-4650-A7C6-CE3C48B67D95}" type="datetimeFigureOut">
               <a:rPr lang="en-US" smtClean="0"/>
-              <a:t>11/7/2024</a:t>
+              <a:t>11/8/2024</a:t>
             </a:fld>
             <a:endParaRPr lang="en-US"/>
           </a:p>
@@ -1254,7 +1254,7 @@
           <a:p>
             <a:fld id="{52ED90DB-C377-4650-A7C6-CE3C48B67D95}" type="datetimeFigureOut">
               <a:rPr lang="en-US" smtClean="0"/>
-              <a:t>11/7/2024</a:t>
+              <a:t>11/8/2024</a:t>
             </a:fld>
             <a:endParaRPr lang="en-US"/>
           </a:p>
@@ -1621,7 +1621,7 @@
           <a:p>
             <a:fld id="{52ED90DB-C377-4650-A7C6-CE3C48B67D95}" type="datetimeFigureOut">
               <a:rPr lang="en-US" smtClean="0"/>
-              <a:t>11/7/2024</a:t>
+              <a:t>11/8/2024</a:t>
             </a:fld>
             <a:endParaRPr lang="en-US"/>
           </a:p>
@@ -1739,7 +1739,7 @@
           <a:p>
             <a:fld id="{52ED90DB-C377-4650-A7C6-CE3C48B67D95}" type="datetimeFigureOut">
               <a:rPr lang="en-US" smtClean="0"/>
-              <a:t>11/7/2024</a:t>
+              <a:t>11/8/2024</a:t>
             </a:fld>
             <a:endParaRPr lang="en-US"/>
           </a:p>
@@ -1834,7 +1834,7 @@
           <a:p>
             <a:fld id="{52ED90DB-C377-4650-A7C6-CE3C48B67D95}" type="datetimeFigureOut">
               <a:rPr lang="en-US" smtClean="0"/>
-              <a:t>11/7/2024</a:t>
+              <a:t>11/8/2024</a:t>
             </a:fld>
             <a:endParaRPr lang="en-US"/>
           </a:p>
@@ -2111,7 +2111,7 @@
           <a:p>
             <a:fld id="{52ED90DB-C377-4650-A7C6-CE3C48B67D95}" type="datetimeFigureOut">
               <a:rPr lang="en-US" smtClean="0"/>
-              <a:t>11/7/2024</a:t>
+              <a:t>11/8/2024</a:t>
             </a:fld>
             <a:endParaRPr lang="en-US"/>
           </a:p>
@@ -2368,7 +2368,7 @@
           <a:p>
             <a:fld id="{52ED90DB-C377-4650-A7C6-CE3C48B67D95}" type="datetimeFigureOut">
               <a:rPr lang="en-US" smtClean="0"/>
-              <a:t>11/7/2024</a:t>
+              <a:t>11/8/2024</a:t>
             </a:fld>
             <a:endParaRPr lang="en-US"/>
           </a:p>
@@ -2581,7 +2581,7 @@
           <a:p>
             <a:fld id="{52ED90DB-C377-4650-A7C6-CE3C48B67D95}" type="datetimeFigureOut">
               <a:rPr lang="en-US" smtClean="0"/>
-              <a:t>11/7/2024</a:t>
+              <a:t>11/8/2024</a:t>
             </a:fld>
             <a:endParaRPr lang="en-US"/>
           </a:p>
@@ -3108,8 +3108,8 @@
         </p:nvGrpSpPr>
         <p:grpSpPr>
           <a:xfrm>
-            <a:off x="7035727" y="8734925"/>
-            <a:ext cx="3368142" cy="2880000"/>
+            <a:off x="5587295" y="6264000"/>
+            <a:ext cx="7113410" cy="5760000"/>
             <a:chOff x="8040117" y="8932668"/>
             <a:chExt cx="1752612" cy="1486490"/>
           </a:xfrm>
